--- a/labos/07_project/presentation.pptx
+++ b/labos/07_project/presentation.pptx
@@ -106,6 +106,11 @@
       </a:defRPr>
     </a:lvl9pPr>
   </p:defaultTextStyle>
+  <p:extLst>
+    <p:ext uri="{EFAFB233-063F-42B5-8137-9DF3F51BA10A}">
+      <p15:sldGuideLst xmlns:p15="http://schemas.microsoft.com/office/powerpoint/2012/main"/>
+    </p:ext>
+  </p:extLst>
 </p:presentation>
 </file>
 
@@ -2108,8 +2113,8 @@
         <a:lstStyle/>
         <a:p>
           <a:r>
-            <a:rPr lang="en-US"/>
-            <a:t>Hash of production</a:t>
+            <a:rPr lang="en-US" dirty="0"/>
+            <a:t>Hash for productions</a:t>
           </a:r>
         </a:p>
       </dgm:t>
@@ -2245,6 +2250,114 @@
         </a:p>
       </dgm:t>
     </dgm:pt>
+    <dgm:pt modelId="{ED5CA50C-95FE-45B9-B83A-90F3A1D20DC1}">
+      <dgm:prSet/>
+      <dgm:spPr/>
+      <dgm:t>
+        <a:bodyPr/>
+        <a:lstStyle/>
+        <a:p>
+          <a:r>
+            <a:rPr lang="en-US" dirty="0"/>
+            <a:t>Tests</a:t>
+          </a:r>
+        </a:p>
+      </dgm:t>
+    </dgm:pt>
+    <dgm:pt modelId="{A82738AA-96D0-490D-9388-19BE7691F4A6}" type="parTrans" cxnId="{1874E3D3-A1EC-4E93-9BB4-B3EB7210525B}">
+      <dgm:prSet/>
+      <dgm:spPr/>
+      <dgm:t>
+        <a:bodyPr/>
+        <a:lstStyle/>
+        <a:p>
+          <a:endParaRPr lang="en-BE"/>
+        </a:p>
+      </dgm:t>
+    </dgm:pt>
+    <dgm:pt modelId="{BAB37B6D-E6B1-4EE7-AAF0-75D5AC9D7FD8}" type="sibTrans" cxnId="{1874E3D3-A1EC-4E93-9BB4-B3EB7210525B}">
+      <dgm:prSet/>
+      <dgm:spPr/>
+      <dgm:t>
+        <a:bodyPr/>
+        <a:lstStyle/>
+        <a:p>
+          <a:endParaRPr lang="en-BE"/>
+        </a:p>
+      </dgm:t>
+    </dgm:pt>
+    <dgm:pt modelId="{0ADEF9A1-6B27-436A-A801-141ECE4542BD}">
+      <dgm:prSet/>
+      <dgm:spPr/>
+      <dgm:t>
+        <a:bodyPr/>
+        <a:lstStyle/>
+        <a:p>
+          <a:r>
+            <a:rPr lang="en-US" dirty="0"/>
+            <a:t>Complete L-system</a:t>
+          </a:r>
+        </a:p>
+      </dgm:t>
+    </dgm:pt>
+    <dgm:pt modelId="{0C148257-4048-4A92-9F27-36C2AA37F561}" type="parTrans" cxnId="{88E603AC-75BC-483E-966D-564E52F9B32A}">
+      <dgm:prSet/>
+      <dgm:spPr/>
+      <dgm:t>
+        <a:bodyPr/>
+        <a:lstStyle/>
+        <a:p>
+          <a:endParaRPr lang="en-BE"/>
+        </a:p>
+      </dgm:t>
+    </dgm:pt>
+    <dgm:pt modelId="{8A9E3EF5-8606-4A8E-8973-31D7ADB6683E}" type="sibTrans" cxnId="{88E603AC-75BC-483E-966D-564E52F9B32A}">
+      <dgm:prSet/>
+      <dgm:spPr/>
+      <dgm:t>
+        <a:bodyPr/>
+        <a:lstStyle/>
+        <a:p>
+          <a:endParaRPr lang="en-BE"/>
+        </a:p>
+      </dgm:t>
+    </dgm:pt>
+    <dgm:pt modelId="{DC66F8BA-C119-4E99-9555-9636DB7B55F6}">
+      <dgm:prSet/>
+      <dgm:spPr/>
+      <dgm:t>
+        <a:bodyPr/>
+        <a:lstStyle/>
+        <a:p>
+          <a:r>
+            <a:rPr lang="en-US" dirty="0"/>
+            <a:t>Reset</a:t>
+          </a:r>
+        </a:p>
+      </dgm:t>
+    </dgm:pt>
+    <dgm:pt modelId="{30B1D819-5205-422E-ACA8-A0B7450D62B4}" type="parTrans" cxnId="{F0F1A162-99A2-455C-ADAA-57E3F021435B}">
+      <dgm:prSet/>
+      <dgm:spPr/>
+      <dgm:t>
+        <a:bodyPr/>
+        <a:lstStyle/>
+        <a:p>
+          <a:endParaRPr lang="en-BE"/>
+        </a:p>
+      </dgm:t>
+    </dgm:pt>
+    <dgm:pt modelId="{5F605363-E377-4061-AF3C-DCC21F71B1DF}" type="sibTrans" cxnId="{F0F1A162-99A2-455C-ADAA-57E3F021435B}">
+      <dgm:prSet/>
+      <dgm:spPr/>
+      <dgm:t>
+        <a:bodyPr/>
+        <a:lstStyle/>
+        <a:p>
+          <a:endParaRPr lang="en-BE"/>
+        </a:p>
+      </dgm:t>
+    </dgm:pt>
     <dgm:pt modelId="{EA071F5A-B6E9-4E86-8A5F-6BDD78F3ADEF}" type="pres">
       <dgm:prSet presAssocID="{21463635-B8D7-4467-A8A6-A2ECF78965A7}" presName="linear" presStyleCnt="0">
         <dgm:presLayoutVars>
@@ -2260,11 +2373,11 @@
       <dgm:spPr/>
     </dgm:pt>
     <dgm:pt modelId="{EF743698-46DF-4E75-9B6B-95D3E1F5AA92}" type="pres">
-      <dgm:prSet presAssocID="{607B65ED-B4AC-460B-97FC-231A1A655CFA}" presName="parentLeftMargin" presStyleLbl="node1" presStyleIdx="0" presStyleCnt="3"/>
+      <dgm:prSet presAssocID="{607B65ED-B4AC-460B-97FC-231A1A655CFA}" presName="parentLeftMargin" presStyleLbl="node1" presStyleIdx="0" presStyleCnt="4"/>
       <dgm:spPr/>
     </dgm:pt>
     <dgm:pt modelId="{DE56731C-B269-42E2-A396-21E2C0F0A77F}" type="pres">
-      <dgm:prSet presAssocID="{607B65ED-B4AC-460B-97FC-231A1A655CFA}" presName="parentText" presStyleLbl="node1" presStyleIdx="0" presStyleCnt="3">
+      <dgm:prSet presAssocID="{607B65ED-B4AC-460B-97FC-231A1A655CFA}" presName="parentText" presStyleLbl="node1" presStyleIdx="0" presStyleCnt="4">
         <dgm:presLayoutVars>
           <dgm:chMax val="0"/>
           <dgm:bulletEnabled val="1"/>
@@ -2277,7 +2390,7 @@
       <dgm:spPr/>
     </dgm:pt>
     <dgm:pt modelId="{38CCDF0E-3548-4CF1-A95D-659EC48B23B8}" type="pres">
-      <dgm:prSet presAssocID="{607B65ED-B4AC-460B-97FC-231A1A655CFA}" presName="childText" presStyleLbl="conFgAcc1" presStyleIdx="0" presStyleCnt="3">
+      <dgm:prSet presAssocID="{607B65ED-B4AC-460B-97FC-231A1A655CFA}" presName="childText" presStyleLbl="conFgAcc1" presStyleIdx="0" presStyleCnt="4">
         <dgm:presLayoutVars>
           <dgm:bulletEnabled val="1"/>
         </dgm:presLayoutVars>
@@ -2293,11 +2406,11 @@
       <dgm:spPr/>
     </dgm:pt>
     <dgm:pt modelId="{B8D28C94-BBF8-41CF-BDFD-5EE30729860D}" type="pres">
-      <dgm:prSet presAssocID="{74D73C32-4602-459E-94E3-EDA132BB6D67}" presName="parentLeftMargin" presStyleLbl="node1" presStyleIdx="0" presStyleCnt="3"/>
+      <dgm:prSet presAssocID="{74D73C32-4602-459E-94E3-EDA132BB6D67}" presName="parentLeftMargin" presStyleLbl="node1" presStyleIdx="0" presStyleCnt="4"/>
       <dgm:spPr/>
     </dgm:pt>
     <dgm:pt modelId="{D8A16D0D-B293-4E0A-BDFA-974F6F049B47}" type="pres">
-      <dgm:prSet presAssocID="{74D73C32-4602-459E-94E3-EDA132BB6D67}" presName="parentText" presStyleLbl="node1" presStyleIdx="1" presStyleCnt="3">
+      <dgm:prSet presAssocID="{74D73C32-4602-459E-94E3-EDA132BB6D67}" presName="parentText" presStyleLbl="node1" presStyleIdx="1" presStyleCnt="4">
         <dgm:presLayoutVars>
           <dgm:chMax val="0"/>
           <dgm:bulletEnabled val="1"/>
@@ -2310,7 +2423,7 @@
       <dgm:spPr/>
     </dgm:pt>
     <dgm:pt modelId="{A3CE419A-BE11-4D6A-9E28-8E384E85458B}" type="pres">
-      <dgm:prSet presAssocID="{74D73C32-4602-459E-94E3-EDA132BB6D67}" presName="childText" presStyleLbl="conFgAcc1" presStyleIdx="1" presStyleCnt="3">
+      <dgm:prSet presAssocID="{74D73C32-4602-459E-94E3-EDA132BB6D67}" presName="childText" presStyleLbl="conFgAcc1" presStyleIdx="1" presStyleCnt="4">
         <dgm:presLayoutVars>
           <dgm:bulletEnabled val="1"/>
         </dgm:presLayoutVars>
@@ -2321,16 +2434,49 @@
       <dgm:prSet presAssocID="{DA049DCA-B2B4-4651-A4F4-632E5620C648}" presName="spaceBetweenRectangles" presStyleCnt="0"/>
       <dgm:spPr/>
     </dgm:pt>
+    <dgm:pt modelId="{EF0D43FF-38D8-465A-B08E-27A5619148E8}" type="pres">
+      <dgm:prSet presAssocID="{ED5CA50C-95FE-45B9-B83A-90F3A1D20DC1}" presName="parentLin" presStyleCnt="0"/>
+      <dgm:spPr/>
+    </dgm:pt>
+    <dgm:pt modelId="{6E7DB428-0176-49FC-A934-3FDF4EA2B95F}" type="pres">
+      <dgm:prSet presAssocID="{ED5CA50C-95FE-45B9-B83A-90F3A1D20DC1}" presName="parentLeftMargin" presStyleLbl="node1" presStyleIdx="1" presStyleCnt="4"/>
+      <dgm:spPr/>
+    </dgm:pt>
+    <dgm:pt modelId="{552A4072-2679-494A-B8B3-71105E83EC8F}" type="pres">
+      <dgm:prSet presAssocID="{ED5CA50C-95FE-45B9-B83A-90F3A1D20DC1}" presName="parentText" presStyleLbl="node1" presStyleIdx="2" presStyleCnt="4">
+        <dgm:presLayoutVars>
+          <dgm:chMax val="0"/>
+          <dgm:bulletEnabled val="1"/>
+        </dgm:presLayoutVars>
+      </dgm:prSet>
+      <dgm:spPr/>
+    </dgm:pt>
+    <dgm:pt modelId="{129E7747-BBF1-4BC5-9759-0E175E9D6F70}" type="pres">
+      <dgm:prSet presAssocID="{ED5CA50C-95FE-45B9-B83A-90F3A1D20DC1}" presName="negativeSpace" presStyleCnt="0"/>
+      <dgm:spPr/>
+    </dgm:pt>
+    <dgm:pt modelId="{03CFD6FB-BC7C-43ED-95EC-4314ABB0F22E}" type="pres">
+      <dgm:prSet presAssocID="{ED5CA50C-95FE-45B9-B83A-90F3A1D20DC1}" presName="childText" presStyleLbl="conFgAcc1" presStyleIdx="2" presStyleCnt="4">
+        <dgm:presLayoutVars>
+          <dgm:bulletEnabled val="1"/>
+        </dgm:presLayoutVars>
+      </dgm:prSet>
+      <dgm:spPr/>
+    </dgm:pt>
+    <dgm:pt modelId="{B4B33985-658C-43F2-AF46-B4DCFECFF744}" type="pres">
+      <dgm:prSet presAssocID="{BAB37B6D-E6B1-4EE7-AAF0-75D5AC9D7FD8}" presName="spaceBetweenRectangles" presStyleCnt="0"/>
+      <dgm:spPr/>
+    </dgm:pt>
     <dgm:pt modelId="{7C2B742C-7DF5-4FA3-839D-4CEC277564E4}" type="pres">
       <dgm:prSet presAssocID="{3D70025C-4082-4775-A949-E0E7B2CF7A7E}" presName="parentLin" presStyleCnt="0"/>
       <dgm:spPr/>
     </dgm:pt>
     <dgm:pt modelId="{939A57FE-EE81-4170-A021-BFC166210D70}" type="pres">
-      <dgm:prSet presAssocID="{3D70025C-4082-4775-A949-E0E7B2CF7A7E}" presName="parentLeftMargin" presStyleLbl="node1" presStyleIdx="1" presStyleCnt="3"/>
+      <dgm:prSet presAssocID="{3D70025C-4082-4775-A949-E0E7B2CF7A7E}" presName="parentLeftMargin" presStyleLbl="node1" presStyleIdx="2" presStyleCnt="4"/>
       <dgm:spPr/>
     </dgm:pt>
     <dgm:pt modelId="{6F295A80-682C-4C5B-93B3-DFB84CA65F6A}" type="pres">
-      <dgm:prSet presAssocID="{3D70025C-4082-4775-A949-E0E7B2CF7A7E}" presName="parentText" presStyleLbl="node1" presStyleIdx="2" presStyleCnt="3">
+      <dgm:prSet presAssocID="{3D70025C-4082-4775-A949-E0E7B2CF7A7E}" presName="parentText" presStyleLbl="node1" presStyleIdx="3" presStyleCnt="4">
         <dgm:presLayoutVars>
           <dgm:chMax val="0"/>
           <dgm:bulletEnabled val="1"/>
@@ -2343,7 +2489,7 @@
       <dgm:spPr/>
     </dgm:pt>
     <dgm:pt modelId="{1A8F027F-2A5C-4CFB-91BC-B0FB88126887}" type="pres">
-      <dgm:prSet presAssocID="{3D70025C-4082-4775-A949-E0E7B2CF7A7E}" presName="childText" presStyleLbl="conFgAcc1" presStyleIdx="2" presStyleCnt="3">
+      <dgm:prSet presAssocID="{3D70025C-4082-4775-A949-E0E7B2CF7A7E}" presName="childText" presStyleLbl="conFgAcc1" presStyleIdx="3" presStyleCnt="4">
         <dgm:presLayoutVars>
           <dgm:bulletEnabled val="1"/>
         </dgm:presLayoutVars>
@@ -2354,16 +2500,23 @@
   <dgm:cxnLst>
     <dgm:cxn modelId="{ED96250F-54D6-45D7-A744-3F764E471F39}" type="presOf" srcId="{74D73C32-4602-459E-94E3-EDA132BB6D67}" destId="{B8D28C94-BBF8-41CF-BDFD-5EE30729860D}" srcOrd="0" destOrd="0" presId="urn:microsoft.com/office/officeart/2005/8/layout/list1"/>
     <dgm:cxn modelId="{7E32A024-A520-40C0-AB02-05A429CD59E5}" srcId="{74D73C32-4602-459E-94E3-EDA132BB6D67}" destId="{6208E5E6-135F-4E85-B00D-1C1B12F6EF41}" srcOrd="0" destOrd="0" parTransId="{EBADA82D-2BBA-49EF-8A31-0320D6DD4F0B}" sibTransId="{C2F4AEF0-C44D-4111-AAB3-35C0DBEE515F}"/>
+    <dgm:cxn modelId="{9D087A2F-3BB7-4058-883E-BD2539E54CC9}" type="presOf" srcId="{DC66F8BA-C119-4E99-9555-9636DB7B55F6}" destId="{03CFD6FB-BC7C-43ED-95EC-4314ABB0F22E}" srcOrd="0" destOrd="1" presId="urn:microsoft.com/office/officeart/2005/8/layout/list1"/>
     <dgm:cxn modelId="{F1D72C3A-5B25-43F4-816C-A2D5F2101813}" srcId="{21463635-B8D7-4467-A8A6-A2ECF78965A7}" destId="{607B65ED-B4AC-460B-97FC-231A1A655CFA}" srcOrd="0" destOrd="0" parTransId="{45F04390-84A7-48D0-87DD-C23B52CBD3C7}" sibTransId="{4AD45DFE-6C1B-4E95-8817-03AE7905CA8E}"/>
     <dgm:cxn modelId="{326ED33E-0A01-406B-990A-F217452D6139}" srcId="{607B65ED-B4AC-460B-97FC-231A1A655CFA}" destId="{E1AB7E38-881E-4EDA-8173-4903AAE0B48F}" srcOrd="0" destOrd="0" parTransId="{FD6431FA-23A1-4A71-8A59-43720A73D0B9}" sibTransId="{0629B4FC-13CE-4165-8C1A-6E12310609CE}"/>
+    <dgm:cxn modelId="{F0F1A162-99A2-455C-ADAA-57E3F021435B}" srcId="{ED5CA50C-95FE-45B9-B83A-90F3A1D20DC1}" destId="{DC66F8BA-C119-4E99-9555-9636DB7B55F6}" srcOrd="1" destOrd="0" parTransId="{30B1D819-5205-422E-ACA8-A0B7450D62B4}" sibTransId="{5F605363-E377-4061-AF3C-DCC21F71B1DF}"/>
+    <dgm:cxn modelId="{FF96F147-DB48-4542-BB56-04A0BEB4616D}" type="presOf" srcId="{ED5CA50C-95FE-45B9-B83A-90F3A1D20DC1}" destId="{552A4072-2679-494A-B8B3-71105E83EC8F}" srcOrd="1" destOrd="0" presId="urn:microsoft.com/office/officeart/2005/8/layout/list1"/>
     <dgm:cxn modelId="{C7F0174F-039B-4A1C-BEAA-68123C22F205}" srcId="{21463635-B8D7-4467-A8A6-A2ECF78965A7}" destId="{74D73C32-4602-459E-94E3-EDA132BB6D67}" srcOrd="1" destOrd="0" parTransId="{2E59603E-4766-4B80-9998-FB4078CE3662}" sibTransId="{DA049DCA-B2B4-4651-A4F4-632E5620C648}"/>
     <dgm:cxn modelId="{A7E7C256-4962-4A96-B7C0-2CED077941DD}" type="presOf" srcId="{3D70025C-4082-4775-A949-E0E7B2CF7A7E}" destId="{6F295A80-682C-4C5B-93B3-DFB84CA65F6A}" srcOrd="1" destOrd="0" presId="urn:microsoft.com/office/officeart/2005/8/layout/list1"/>
     <dgm:cxn modelId="{13974D59-94AC-4DBC-A87E-2FB7668D0245}" type="presOf" srcId="{607B65ED-B4AC-460B-97FC-231A1A655CFA}" destId="{EF743698-46DF-4E75-9B6B-95D3E1F5AA92}" srcOrd="0" destOrd="0" presId="urn:microsoft.com/office/officeart/2005/8/layout/list1"/>
     <dgm:cxn modelId="{DAC76F7E-0BD9-4ADE-B202-377123640CC7}" type="presOf" srcId="{3D70025C-4082-4775-A949-E0E7B2CF7A7E}" destId="{939A57FE-EE81-4170-A021-BFC166210D70}" srcOrd="0" destOrd="0" presId="urn:microsoft.com/office/officeart/2005/8/layout/list1"/>
     <dgm:cxn modelId="{B28135A4-1A72-4BA4-A207-31F0ECEAA6E1}" type="presOf" srcId="{607B65ED-B4AC-460B-97FC-231A1A655CFA}" destId="{DE56731C-B269-42E2-A396-21E2C0F0A77F}" srcOrd="1" destOrd="0" presId="urn:microsoft.com/office/officeart/2005/8/layout/list1"/>
-    <dgm:cxn modelId="{4D8FBAB5-A073-4D1D-BE28-9FC00DA1A6B1}" srcId="{21463635-B8D7-4467-A8A6-A2ECF78965A7}" destId="{3D70025C-4082-4775-A949-E0E7B2CF7A7E}" srcOrd="2" destOrd="0" parTransId="{E8D9BE5B-21C3-41A9-8E1C-7541CC4E0345}" sibTransId="{D625DA94-7DEF-48C7-BF07-F9F582385EA1}"/>
+    <dgm:cxn modelId="{88E603AC-75BC-483E-966D-564E52F9B32A}" srcId="{ED5CA50C-95FE-45B9-B83A-90F3A1D20DC1}" destId="{0ADEF9A1-6B27-436A-A801-141ECE4542BD}" srcOrd="0" destOrd="0" parTransId="{0C148257-4048-4A92-9F27-36C2AA37F561}" sibTransId="{8A9E3EF5-8606-4A8E-8973-31D7ADB6683E}"/>
+    <dgm:cxn modelId="{4D8FBAB5-A073-4D1D-BE28-9FC00DA1A6B1}" srcId="{21463635-B8D7-4467-A8A6-A2ECF78965A7}" destId="{3D70025C-4082-4775-A949-E0E7B2CF7A7E}" srcOrd="3" destOrd="0" parTransId="{E8D9BE5B-21C3-41A9-8E1C-7541CC4E0345}" sibTransId="{D625DA94-7DEF-48C7-BF07-F9F582385EA1}"/>
+    <dgm:cxn modelId="{FDCC84B7-6722-4471-986F-5FB114DC9ED3}" type="presOf" srcId="{0ADEF9A1-6B27-436A-A801-141ECE4542BD}" destId="{03CFD6FB-BC7C-43ED-95EC-4314ABB0F22E}" srcOrd="0" destOrd="0" presId="urn:microsoft.com/office/officeart/2005/8/layout/list1"/>
     <dgm:cxn modelId="{18BA81BB-354B-48D8-84CA-96D14078C268}" type="presOf" srcId="{1C1A7A67-D319-4031-A3BA-F75F0C727B72}" destId="{1A8F027F-2A5C-4CFB-91BC-B0FB88126887}" srcOrd="0" destOrd="0" presId="urn:microsoft.com/office/officeart/2005/8/layout/list1"/>
+    <dgm:cxn modelId="{602B8BC2-0923-4A04-8718-E1185760E743}" type="presOf" srcId="{ED5CA50C-95FE-45B9-B83A-90F3A1D20DC1}" destId="{6E7DB428-0176-49FC-A934-3FDF4EA2B95F}" srcOrd="0" destOrd="0" presId="urn:microsoft.com/office/officeart/2005/8/layout/list1"/>
     <dgm:cxn modelId="{DA0418D3-E041-47A1-A775-0358DC271538}" srcId="{3D70025C-4082-4775-A949-E0E7B2CF7A7E}" destId="{1C1A7A67-D319-4031-A3BA-F75F0C727B72}" srcOrd="0" destOrd="0" parTransId="{F8C46830-D086-400A-8ED4-D5FA77965895}" sibTransId="{E510ADA6-1A93-4E30-A4A0-5D31BFE4ED0F}"/>
+    <dgm:cxn modelId="{1874E3D3-A1EC-4E93-9BB4-B3EB7210525B}" srcId="{21463635-B8D7-4467-A8A6-A2ECF78965A7}" destId="{ED5CA50C-95FE-45B9-B83A-90F3A1D20DC1}" srcOrd="2" destOrd="0" parTransId="{A82738AA-96D0-490D-9388-19BE7691F4A6}" sibTransId="{BAB37B6D-E6B1-4EE7-AAF0-75D5AC9D7FD8}"/>
     <dgm:cxn modelId="{857C60D8-8973-4998-95EF-C7D1D3B8BADE}" type="presOf" srcId="{21463635-B8D7-4467-A8A6-A2ECF78965A7}" destId="{EA071F5A-B6E9-4E86-8A5F-6BDD78F3ADEF}" srcOrd="0" destOrd="0" presId="urn:microsoft.com/office/officeart/2005/8/layout/list1"/>
     <dgm:cxn modelId="{B84A1FE6-5F57-413A-9D2B-592FA3334DDC}" type="presOf" srcId="{E1AB7E38-881E-4EDA-8173-4903AAE0B48F}" destId="{38CCDF0E-3548-4CF1-A95D-659EC48B23B8}" srcOrd="0" destOrd="0" presId="urn:microsoft.com/office/officeart/2005/8/layout/list1"/>
     <dgm:cxn modelId="{AC9E64E9-3DF5-4665-B597-8C598322422E}" type="presOf" srcId="{74D73C32-4602-459E-94E3-EDA132BB6D67}" destId="{D8A16D0D-B293-4E0A-BDFA-974F6F049B47}" srcOrd="1" destOrd="0" presId="urn:microsoft.com/office/officeart/2005/8/layout/list1"/>
@@ -2380,11 +2533,17 @@
     <dgm:cxn modelId="{58303421-3BE6-4CB5-A2D9-9F1ADA3169EF}" type="presParOf" srcId="{EA071F5A-B6E9-4E86-8A5F-6BDD78F3ADEF}" destId="{603DD55D-0065-42A6-AAC1-35957E38CF10}" srcOrd="5" destOrd="0" presId="urn:microsoft.com/office/officeart/2005/8/layout/list1"/>
     <dgm:cxn modelId="{F618C48A-DD82-444D-8D90-CED29A2BB6A0}" type="presParOf" srcId="{EA071F5A-B6E9-4E86-8A5F-6BDD78F3ADEF}" destId="{A3CE419A-BE11-4D6A-9E28-8E384E85458B}" srcOrd="6" destOrd="0" presId="urn:microsoft.com/office/officeart/2005/8/layout/list1"/>
     <dgm:cxn modelId="{0F678129-9ACF-4125-9D7D-901921E1D8B3}" type="presParOf" srcId="{EA071F5A-B6E9-4E86-8A5F-6BDD78F3ADEF}" destId="{B8733B7B-86F5-460F-92E9-C44C11A828B4}" srcOrd="7" destOrd="0" presId="urn:microsoft.com/office/officeart/2005/8/layout/list1"/>
-    <dgm:cxn modelId="{73B8FC40-E05A-4E50-B02C-9A27C8804F8D}" type="presParOf" srcId="{EA071F5A-B6E9-4E86-8A5F-6BDD78F3ADEF}" destId="{7C2B742C-7DF5-4FA3-839D-4CEC277564E4}" srcOrd="8" destOrd="0" presId="urn:microsoft.com/office/officeart/2005/8/layout/list1"/>
+    <dgm:cxn modelId="{61529670-6DC7-41C6-A942-28CD88F92567}" type="presParOf" srcId="{EA071F5A-B6E9-4E86-8A5F-6BDD78F3ADEF}" destId="{EF0D43FF-38D8-465A-B08E-27A5619148E8}" srcOrd="8" destOrd="0" presId="urn:microsoft.com/office/officeart/2005/8/layout/list1"/>
+    <dgm:cxn modelId="{4EBFB2C8-54CD-4F3C-8C25-987AFAB6AA18}" type="presParOf" srcId="{EF0D43FF-38D8-465A-B08E-27A5619148E8}" destId="{6E7DB428-0176-49FC-A934-3FDF4EA2B95F}" srcOrd="0" destOrd="0" presId="urn:microsoft.com/office/officeart/2005/8/layout/list1"/>
+    <dgm:cxn modelId="{F0728240-522E-42A4-B500-4BB2FCBE78ED}" type="presParOf" srcId="{EF0D43FF-38D8-465A-B08E-27A5619148E8}" destId="{552A4072-2679-494A-B8B3-71105E83EC8F}" srcOrd="1" destOrd="0" presId="urn:microsoft.com/office/officeart/2005/8/layout/list1"/>
+    <dgm:cxn modelId="{BE43ECED-16CE-4E02-A7B8-54C4EAEC11FE}" type="presParOf" srcId="{EA071F5A-B6E9-4E86-8A5F-6BDD78F3ADEF}" destId="{129E7747-BBF1-4BC5-9759-0E175E9D6F70}" srcOrd="9" destOrd="0" presId="urn:microsoft.com/office/officeart/2005/8/layout/list1"/>
+    <dgm:cxn modelId="{B6B6C8D3-D7C1-4E88-B94D-73DCD7BDAAE7}" type="presParOf" srcId="{EA071F5A-B6E9-4E86-8A5F-6BDD78F3ADEF}" destId="{03CFD6FB-BC7C-43ED-95EC-4314ABB0F22E}" srcOrd="10" destOrd="0" presId="urn:microsoft.com/office/officeart/2005/8/layout/list1"/>
+    <dgm:cxn modelId="{C6B78D53-AC3F-45FA-B4BA-ECE8C53FAF8A}" type="presParOf" srcId="{EA071F5A-B6E9-4E86-8A5F-6BDD78F3ADEF}" destId="{B4B33985-658C-43F2-AF46-B4DCFECFF744}" srcOrd="11" destOrd="0" presId="urn:microsoft.com/office/officeart/2005/8/layout/list1"/>
+    <dgm:cxn modelId="{73B8FC40-E05A-4E50-B02C-9A27C8804F8D}" type="presParOf" srcId="{EA071F5A-B6E9-4E86-8A5F-6BDD78F3ADEF}" destId="{7C2B742C-7DF5-4FA3-839D-4CEC277564E4}" srcOrd="12" destOrd="0" presId="urn:microsoft.com/office/officeart/2005/8/layout/list1"/>
     <dgm:cxn modelId="{D4140DCD-F8F5-4CDD-9E03-B2553C84DAB4}" type="presParOf" srcId="{7C2B742C-7DF5-4FA3-839D-4CEC277564E4}" destId="{939A57FE-EE81-4170-A021-BFC166210D70}" srcOrd="0" destOrd="0" presId="urn:microsoft.com/office/officeart/2005/8/layout/list1"/>
     <dgm:cxn modelId="{BC98B77E-F563-42D2-AD8A-B65C7ECB534C}" type="presParOf" srcId="{7C2B742C-7DF5-4FA3-839D-4CEC277564E4}" destId="{6F295A80-682C-4C5B-93B3-DFB84CA65F6A}" srcOrd="1" destOrd="0" presId="urn:microsoft.com/office/officeart/2005/8/layout/list1"/>
-    <dgm:cxn modelId="{879C03D5-A304-4D61-8C00-B35361D24A85}" type="presParOf" srcId="{EA071F5A-B6E9-4E86-8A5F-6BDD78F3ADEF}" destId="{39C3E916-CA98-4817-B831-09FAA70E0C25}" srcOrd="9" destOrd="0" presId="urn:microsoft.com/office/officeart/2005/8/layout/list1"/>
-    <dgm:cxn modelId="{7FC06A0C-3348-4F25-8DCB-999381E2BC1B}" type="presParOf" srcId="{EA071F5A-B6E9-4E86-8A5F-6BDD78F3ADEF}" destId="{1A8F027F-2A5C-4CFB-91BC-B0FB88126887}" srcOrd="10" destOrd="0" presId="urn:microsoft.com/office/officeart/2005/8/layout/list1"/>
+    <dgm:cxn modelId="{879C03D5-A304-4D61-8C00-B35361D24A85}" type="presParOf" srcId="{EA071F5A-B6E9-4E86-8A5F-6BDD78F3ADEF}" destId="{39C3E916-CA98-4817-B831-09FAA70E0C25}" srcOrd="13" destOrd="0" presId="urn:microsoft.com/office/officeart/2005/8/layout/list1"/>
+    <dgm:cxn modelId="{7FC06A0C-3348-4F25-8DCB-999381E2BC1B}" type="presParOf" srcId="{EA071F5A-B6E9-4E86-8A5F-6BDD78F3ADEF}" destId="{1A8F027F-2A5C-4CFB-91BC-B0FB88126887}" srcOrd="14" destOrd="0" presId="urn:microsoft.com/office/officeart/2005/8/layout/list1"/>
   </dgm:cxnLst>
   <dgm:bg/>
   <dgm:whole/>
@@ -2769,8 +2928,8 @@
       </dsp:nvSpPr>
       <dsp:spPr>
         <a:xfrm>
-          <a:off x="0" y="471045"/>
-          <a:ext cx="6900512" cy="1275750"/>
+          <a:off x="0" y="336585"/>
+          <a:ext cx="6900512" cy="893025"/>
         </a:xfrm>
         <a:prstGeom prst="rect">
           <a:avLst/>
@@ -2811,12 +2970,12 @@
         <a:fontRef idx="minor"/>
       </dsp:style>
       <dsp:txBody>
-        <a:bodyPr spcFirstLastPara="0" vert="horz" wrap="square" lIns="535556" tIns="624840" rIns="535556" bIns="213360" numCol="1" spcCol="1270" anchor="t" anchorCtr="0">
+        <a:bodyPr spcFirstLastPara="0" vert="horz" wrap="square" lIns="535556" tIns="437388" rIns="535556" bIns="149352" numCol="1" spcCol="1270" anchor="t" anchorCtr="0">
           <a:noAutofit/>
         </a:bodyPr>
         <a:lstStyle/>
         <a:p>
-          <a:pPr marL="285750" lvl="1" indent="-285750" algn="l" defTabSz="1333500">
+          <a:pPr marL="228600" lvl="1" indent="-228600" algn="l" defTabSz="933450">
             <a:lnSpc>
               <a:spcPct val="90000"/>
             </a:lnSpc>
@@ -2829,14 +2988,14 @@
             <a:buChar char="•"/>
           </a:pPr>
           <a:r>
-            <a:rPr lang="en-US" sz="3000" kern="1200"/>
+            <a:rPr lang="en-US" sz="2100" kern="1200"/>
             <a:t>Split up</a:t>
           </a:r>
         </a:p>
       </dsp:txBody>
       <dsp:txXfrm>
-        <a:off x="0" y="471045"/>
-        <a:ext cx="6900512" cy="1275750"/>
+        <a:off x="0" y="336585"/>
+        <a:ext cx="6900512" cy="893025"/>
       </dsp:txXfrm>
     </dsp:sp>
     <dsp:sp modelId="{DE56731C-B269-42E2-A396-21E2C0F0A77F}">
@@ -2846,8 +3005,8 @@
       </dsp:nvSpPr>
       <dsp:spPr>
         <a:xfrm>
-          <a:off x="345025" y="28245"/>
-          <a:ext cx="4830358" cy="885600"/>
+          <a:off x="345025" y="26625"/>
+          <a:ext cx="4830358" cy="619920"/>
         </a:xfrm>
         <a:prstGeom prst="roundRect">
           <a:avLst/>
@@ -2894,7 +3053,7 @@
         </a:bodyPr>
         <a:lstStyle/>
         <a:p>
-          <a:pPr marL="0" lvl="0" indent="0" algn="l" defTabSz="1333500">
+          <a:pPr marL="0" lvl="0" indent="0" algn="l" defTabSz="933450">
             <a:lnSpc>
               <a:spcPct val="90000"/>
             </a:lnSpc>
@@ -2907,14 +3066,14 @@
             <a:buNone/>
           </a:pPr>
           <a:r>
-            <a:rPr lang="en-US" sz="3000" kern="1200"/>
+            <a:rPr lang="en-US" sz="2100" kern="1200"/>
             <a:t>Template</a:t>
           </a:r>
         </a:p>
       </dsp:txBody>
       <dsp:txXfrm>
-        <a:off x="388256" y="71476"/>
-        <a:ext cx="4743896" cy="799138"/>
+        <a:off x="375287" y="56887"/>
+        <a:ext cx="4769834" cy="559396"/>
       </dsp:txXfrm>
     </dsp:sp>
     <dsp:sp modelId="{A3CE419A-BE11-4D6A-9E28-8E384E85458B}">
@@ -2924,8 +3083,8 @@
       </dsp:nvSpPr>
       <dsp:spPr>
         <a:xfrm>
-          <a:off x="0" y="2351595"/>
-          <a:ext cx="6900512" cy="1275750"/>
+          <a:off x="0" y="1652970"/>
+          <a:ext cx="6900512" cy="893025"/>
         </a:xfrm>
         <a:prstGeom prst="rect">
           <a:avLst/>
@@ -2942,9 +3101,9 @@
         <a:ln w="19050" cap="flat" cmpd="sng" algn="ctr">
           <a:solidFill>
             <a:schemeClr val="accent2">
-              <a:hueOff val="3221807"/>
-              <a:satOff val="-9246"/>
-              <a:lumOff val="-14805"/>
+              <a:hueOff val="2147871"/>
+              <a:satOff val="-6164"/>
+              <a:lumOff val="-9870"/>
               <a:alphaOff val="0"/>
             </a:schemeClr>
           </a:solidFill>
@@ -2966,12 +3125,12 @@
         <a:fontRef idx="minor"/>
       </dsp:style>
       <dsp:txBody>
-        <a:bodyPr spcFirstLastPara="0" vert="horz" wrap="square" lIns="535556" tIns="624840" rIns="535556" bIns="213360" numCol="1" spcCol="1270" anchor="t" anchorCtr="0">
+        <a:bodyPr spcFirstLastPara="0" vert="horz" wrap="square" lIns="535556" tIns="437388" rIns="535556" bIns="149352" numCol="1" spcCol="1270" anchor="t" anchorCtr="0">
           <a:noAutofit/>
         </a:bodyPr>
         <a:lstStyle/>
         <a:p>
-          <a:pPr marL="285750" lvl="1" indent="-285750" algn="l" defTabSz="1333500">
+          <a:pPr marL="228600" lvl="1" indent="-228600" algn="l" defTabSz="933450">
             <a:lnSpc>
               <a:spcPct val="90000"/>
             </a:lnSpc>
@@ -2984,15 +3143,15 @@
             <a:buChar char="•"/>
           </a:pPr>
           <a:r>
-            <a:rPr lang="en-US" sz="3000" kern="1200" dirty="0" err="1"/>
+            <a:rPr lang="en-US" sz="2100" kern="1200" dirty="0" err="1"/>
             <a:t>Unordered_set</a:t>
           </a:r>
-          <a:endParaRPr lang="en-US" sz="3000" kern="1200" dirty="0"/>
+          <a:endParaRPr lang="en-US" sz="2100" kern="1200" dirty="0"/>
         </a:p>
       </dsp:txBody>
       <dsp:txXfrm>
-        <a:off x="0" y="2351595"/>
-        <a:ext cx="6900512" cy="1275750"/>
+        <a:off x="0" y="1652970"/>
+        <a:ext cx="6900512" cy="893025"/>
       </dsp:txXfrm>
     </dsp:sp>
     <dsp:sp modelId="{D8A16D0D-B293-4E0A-BDFA-974F6F049B47}">
@@ -3002,17 +3161,17 @@
       </dsp:nvSpPr>
       <dsp:spPr>
         <a:xfrm>
-          <a:off x="345025" y="1908795"/>
-          <a:ext cx="4830358" cy="885600"/>
+          <a:off x="345025" y="1343010"/>
+          <a:ext cx="4830358" cy="619920"/>
         </a:xfrm>
         <a:prstGeom prst="roundRect">
           <a:avLst/>
         </a:prstGeom>
         <a:solidFill>
           <a:schemeClr val="accent2">
-            <a:hueOff val="3221807"/>
-            <a:satOff val="-9246"/>
-            <a:lumOff val="-14805"/>
+            <a:hueOff val="2147871"/>
+            <a:satOff val="-6164"/>
+            <a:lumOff val="-9870"/>
             <a:alphaOff val="0"/>
           </a:schemeClr>
         </a:solidFill>
@@ -3050,7 +3209,7 @@
         </a:bodyPr>
         <a:lstStyle/>
         <a:p>
-          <a:pPr marL="0" lvl="0" indent="0" algn="l" defTabSz="1333500">
+          <a:pPr marL="0" lvl="0" indent="0" algn="l" defTabSz="933450">
             <a:lnSpc>
               <a:spcPct val="90000"/>
             </a:lnSpc>
@@ -3063,14 +3222,187 @@
             <a:buNone/>
           </a:pPr>
           <a:r>
-            <a:rPr lang="en-US" sz="3000" kern="1200"/>
-            <a:t>Hash of production</a:t>
+            <a:rPr lang="en-US" sz="2100" kern="1200" dirty="0"/>
+            <a:t>Hash for productions</a:t>
           </a:r>
         </a:p>
       </dsp:txBody>
       <dsp:txXfrm>
-        <a:off x="388256" y="1952026"/>
-        <a:ext cx="4743896" cy="799138"/>
+        <a:off x="375287" y="1373272"/>
+        <a:ext cx="4769834" cy="559396"/>
+      </dsp:txXfrm>
+    </dsp:sp>
+    <dsp:sp modelId="{03CFD6FB-BC7C-43ED-95EC-4314ABB0F22E}">
+      <dsp:nvSpPr>
+        <dsp:cNvPr id="0" name=""/>
+        <dsp:cNvSpPr/>
+      </dsp:nvSpPr>
+      <dsp:spPr>
+        <a:xfrm>
+          <a:off x="0" y="2969355"/>
+          <a:ext cx="6900512" cy="1223775"/>
+        </a:xfrm>
+        <a:prstGeom prst="rect">
+          <a:avLst/>
+        </a:prstGeom>
+        <a:solidFill>
+          <a:schemeClr val="lt1">
+            <a:alpha val="90000"/>
+            <a:hueOff val="0"/>
+            <a:satOff val="0"/>
+            <a:lumOff val="0"/>
+            <a:alphaOff val="0"/>
+          </a:schemeClr>
+        </a:solidFill>
+        <a:ln w="19050" cap="flat" cmpd="sng" algn="ctr">
+          <a:solidFill>
+            <a:schemeClr val="accent2">
+              <a:hueOff val="4295743"/>
+              <a:satOff val="-12329"/>
+              <a:lumOff val="-19739"/>
+              <a:alphaOff val="0"/>
+            </a:schemeClr>
+          </a:solidFill>
+          <a:prstDash val="solid"/>
+          <a:miter lim="800000"/>
+        </a:ln>
+        <a:effectLst/>
+      </dsp:spPr>
+      <dsp:style>
+        <a:lnRef idx="2">
+          <a:scrgbClr r="0" g="0" b="0"/>
+        </a:lnRef>
+        <a:fillRef idx="1">
+          <a:scrgbClr r="0" g="0" b="0"/>
+        </a:fillRef>
+        <a:effectRef idx="0">
+          <a:scrgbClr r="0" g="0" b="0"/>
+        </a:effectRef>
+        <a:fontRef idx="minor"/>
+      </dsp:style>
+      <dsp:txBody>
+        <a:bodyPr spcFirstLastPara="0" vert="horz" wrap="square" lIns="535556" tIns="437388" rIns="535556" bIns="149352" numCol="1" spcCol="1270" anchor="t" anchorCtr="0">
+          <a:noAutofit/>
+        </a:bodyPr>
+        <a:lstStyle/>
+        <a:p>
+          <a:pPr marL="228600" lvl="1" indent="-228600" algn="l" defTabSz="933450">
+            <a:lnSpc>
+              <a:spcPct val="90000"/>
+            </a:lnSpc>
+            <a:spcBef>
+              <a:spcPct val="0"/>
+            </a:spcBef>
+            <a:spcAft>
+              <a:spcPct val="15000"/>
+            </a:spcAft>
+            <a:buChar char="•"/>
+          </a:pPr>
+          <a:r>
+            <a:rPr lang="en-US" sz="2100" kern="1200" dirty="0"/>
+            <a:t>Complete L-system</a:t>
+          </a:r>
+        </a:p>
+        <a:p>
+          <a:pPr marL="228600" lvl="1" indent="-228600" algn="l" defTabSz="933450">
+            <a:lnSpc>
+              <a:spcPct val="90000"/>
+            </a:lnSpc>
+            <a:spcBef>
+              <a:spcPct val="0"/>
+            </a:spcBef>
+            <a:spcAft>
+              <a:spcPct val="15000"/>
+            </a:spcAft>
+            <a:buChar char="•"/>
+          </a:pPr>
+          <a:r>
+            <a:rPr lang="en-US" sz="2100" kern="1200" dirty="0"/>
+            <a:t>Reset</a:t>
+          </a:r>
+        </a:p>
+      </dsp:txBody>
+      <dsp:txXfrm>
+        <a:off x="0" y="2969355"/>
+        <a:ext cx="6900512" cy="1223775"/>
+      </dsp:txXfrm>
+    </dsp:sp>
+    <dsp:sp modelId="{552A4072-2679-494A-B8B3-71105E83EC8F}">
+      <dsp:nvSpPr>
+        <dsp:cNvPr id="0" name=""/>
+        <dsp:cNvSpPr/>
+      </dsp:nvSpPr>
+      <dsp:spPr>
+        <a:xfrm>
+          <a:off x="345025" y="2659395"/>
+          <a:ext cx="4830358" cy="619920"/>
+        </a:xfrm>
+        <a:prstGeom prst="roundRect">
+          <a:avLst/>
+        </a:prstGeom>
+        <a:solidFill>
+          <a:schemeClr val="accent2">
+            <a:hueOff val="4295743"/>
+            <a:satOff val="-12329"/>
+            <a:lumOff val="-19739"/>
+            <a:alphaOff val="0"/>
+          </a:schemeClr>
+        </a:solidFill>
+        <a:ln w="19050" cap="flat" cmpd="sng" algn="ctr">
+          <a:solidFill>
+            <a:schemeClr val="lt1">
+              <a:hueOff val="0"/>
+              <a:satOff val="0"/>
+              <a:lumOff val="0"/>
+              <a:alphaOff val="0"/>
+            </a:schemeClr>
+          </a:solidFill>
+          <a:prstDash val="solid"/>
+          <a:miter lim="800000"/>
+        </a:ln>
+        <a:effectLst/>
+      </dsp:spPr>
+      <dsp:style>
+        <a:lnRef idx="2">
+          <a:scrgbClr r="0" g="0" b="0"/>
+        </a:lnRef>
+        <a:fillRef idx="1">
+          <a:scrgbClr r="0" g="0" b="0"/>
+        </a:fillRef>
+        <a:effectRef idx="0">
+          <a:scrgbClr r="0" g="0" b="0"/>
+        </a:effectRef>
+        <a:fontRef idx="minor">
+          <a:schemeClr val="lt1"/>
+        </a:fontRef>
+      </dsp:style>
+      <dsp:txBody>
+        <a:bodyPr spcFirstLastPara="0" vert="horz" wrap="square" lIns="182576" tIns="0" rIns="182576" bIns="0" numCol="1" spcCol="1270" anchor="ctr" anchorCtr="0">
+          <a:noAutofit/>
+        </a:bodyPr>
+        <a:lstStyle/>
+        <a:p>
+          <a:pPr marL="0" lvl="0" indent="0" algn="l" defTabSz="933450">
+            <a:lnSpc>
+              <a:spcPct val="90000"/>
+            </a:lnSpc>
+            <a:spcBef>
+              <a:spcPct val="0"/>
+            </a:spcBef>
+            <a:spcAft>
+              <a:spcPct val="35000"/>
+            </a:spcAft>
+            <a:buNone/>
+          </a:pPr>
+          <a:r>
+            <a:rPr lang="en-US" sz="2100" kern="1200" dirty="0"/>
+            <a:t>Tests</a:t>
+          </a:r>
+        </a:p>
+      </dsp:txBody>
+      <dsp:txXfrm>
+        <a:off x="375287" y="2689657"/>
+        <a:ext cx="4769834" cy="559396"/>
       </dsp:txXfrm>
     </dsp:sp>
     <dsp:sp modelId="{1A8F027F-2A5C-4CFB-91BC-B0FB88126887}">
@@ -3080,8 +3412,8 @@
       </dsp:nvSpPr>
       <dsp:spPr>
         <a:xfrm>
-          <a:off x="0" y="4232145"/>
-          <a:ext cx="6900512" cy="1275750"/>
+          <a:off x="0" y="4616490"/>
+          <a:ext cx="6900512" cy="893025"/>
         </a:xfrm>
         <a:prstGeom prst="rect">
           <a:avLst/>
@@ -3122,12 +3454,12 @@
         <a:fontRef idx="minor"/>
       </dsp:style>
       <dsp:txBody>
-        <a:bodyPr spcFirstLastPara="0" vert="horz" wrap="square" lIns="535556" tIns="624840" rIns="535556" bIns="213360" numCol="1" spcCol="1270" anchor="t" anchorCtr="0">
+        <a:bodyPr spcFirstLastPara="0" vert="horz" wrap="square" lIns="535556" tIns="437388" rIns="535556" bIns="149352" numCol="1" spcCol="1270" anchor="t" anchorCtr="0">
           <a:noAutofit/>
         </a:bodyPr>
         <a:lstStyle/>
         <a:p>
-          <a:pPr marL="285750" lvl="1" indent="-285750" algn="l" defTabSz="1333500">
+          <a:pPr marL="228600" lvl="1" indent="-228600" algn="l" defTabSz="933450">
             <a:lnSpc>
               <a:spcPct val="90000"/>
             </a:lnSpc>
@@ -3140,14 +3472,14 @@
             <a:buChar char="•"/>
           </a:pPr>
           <a:r>
-            <a:rPr lang="en-US" sz="3000" kern="1200" dirty="0"/>
+            <a:rPr lang="en-US" sz="2100" kern="1200" dirty="0"/>
             <a:t>Display output</a:t>
           </a:r>
         </a:p>
       </dsp:txBody>
       <dsp:txXfrm>
-        <a:off x="0" y="4232145"/>
-        <a:ext cx="6900512" cy="1275750"/>
+        <a:off x="0" y="4616490"/>
+        <a:ext cx="6900512" cy="893025"/>
       </dsp:txXfrm>
     </dsp:sp>
     <dsp:sp modelId="{6F295A80-682C-4C5B-93B3-DFB84CA65F6A}">
@@ -3157,8 +3489,8 @@
       </dsp:nvSpPr>
       <dsp:spPr>
         <a:xfrm>
-          <a:off x="345025" y="3789345"/>
-          <a:ext cx="4830358" cy="885600"/>
+          <a:off x="345025" y="4306530"/>
+          <a:ext cx="4830358" cy="619920"/>
         </a:xfrm>
         <a:prstGeom prst="roundRect">
           <a:avLst/>
@@ -3205,7 +3537,7 @@
         </a:bodyPr>
         <a:lstStyle/>
         <a:p>
-          <a:pPr marL="0" lvl="0" indent="0" algn="l" defTabSz="1333500">
+          <a:pPr marL="0" lvl="0" indent="0" algn="l" defTabSz="933450">
             <a:lnSpc>
               <a:spcPct val="90000"/>
             </a:lnSpc>
@@ -3218,14 +3550,14 @@
             <a:buNone/>
           </a:pPr>
           <a:r>
-            <a:rPr lang="en-US" sz="3000" kern="1200" dirty="0"/>
+            <a:rPr lang="en-US" sz="2100" kern="1200" dirty="0"/>
             <a:t>Python script</a:t>
           </a:r>
         </a:p>
       </dsp:txBody>
       <dsp:txXfrm>
-        <a:off x="388256" y="3832576"/>
-        <a:ext cx="4743896" cy="799138"/>
+        <a:off x="375287" y="4336792"/>
+        <a:ext cx="4769834" cy="559396"/>
       </dsp:txXfrm>
     </dsp:sp>
   </dsp:spTree>
@@ -10561,7 +10893,7 @@
             <p:ph idx="1"/>
             <p:extLst>
               <p:ext uri="{D42A27DB-BD31-4B8C-83A1-F6EECF244321}">
-                <p14:modId xmlns:p14="http://schemas.microsoft.com/office/powerpoint/2010/main" val="1840022900"/>
+                <p14:modId xmlns:p14="http://schemas.microsoft.com/office/powerpoint/2010/main" val="4205439304"/>
               </p:ext>
             </p:extLst>
           </p:nvPr>

--- a/labos/07_project/presentation.pptx
+++ b/labos/07_project/presentation.pptx
@@ -2114,7 +2114,7 @@
         <a:p>
           <a:r>
             <a:rPr lang="en-US" dirty="0"/>
-            <a:t>Hash for productions</a:t>
+            <a:t>Hash function for productions</a:t>
           </a:r>
         </a:p>
       </dgm:t>
@@ -3223,7 +3223,7 @@
           </a:pPr>
           <a:r>
             <a:rPr lang="en-US" sz="2100" kern="1200" dirty="0"/>
-            <a:t>Hash for productions</a:t>
+            <a:t>Hash function for productions</a:t>
           </a:r>
         </a:p>
       </dsp:txBody>
@@ -6231,7 +6231,7 @@
           <a:p>
             <a:fld id="{10756D02-5E76-4486-8092-C3CB43DB3EC3}" type="datetimeFigureOut">
               <a:rPr lang="en-BE" smtClean="0"/>
-              <a:t>17/01/2025</a:t>
+              <a:t>22/01/2025</a:t>
             </a:fld>
             <a:endParaRPr lang="en-BE"/>
           </a:p>
@@ -6285,7 +6285,7 @@
           <a:p>
             <a:fld id="{42F54ED2-4E9D-4D26-982C-ED0ED45CC3FF}" type="slidenum">
               <a:rPr lang="en-BE" smtClean="0"/>
-              <a:t>‹#›</a:t>
+              <a:t>‹nr.›</a:t>
             </a:fld>
             <a:endParaRPr lang="en-BE"/>
           </a:p>
@@ -6431,7 +6431,7 @@
           <a:p>
             <a:fld id="{10756D02-5E76-4486-8092-C3CB43DB3EC3}" type="datetimeFigureOut">
               <a:rPr lang="en-BE" smtClean="0"/>
-              <a:t>17/01/2025</a:t>
+              <a:t>22/01/2025</a:t>
             </a:fld>
             <a:endParaRPr lang="en-BE"/>
           </a:p>
@@ -6485,7 +6485,7 @@
           <a:p>
             <a:fld id="{42F54ED2-4E9D-4D26-982C-ED0ED45CC3FF}" type="slidenum">
               <a:rPr lang="en-BE" smtClean="0"/>
-              <a:t>‹#›</a:t>
+              <a:t>‹nr.›</a:t>
             </a:fld>
             <a:endParaRPr lang="en-BE"/>
           </a:p>
@@ -6641,7 +6641,7 @@
           <a:p>
             <a:fld id="{10756D02-5E76-4486-8092-C3CB43DB3EC3}" type="datetimeFigureOut">
               <a:rPr lang="en-BE" smtClean="0"/>
-              <a:t>17/01/2025</a:t>
+              <a:t>22/01/2025</a:t>
             </a:fld>
             <a:endParaRPr lang="en-BE"/>
           </a:p>
@@ -6695,7 +6695,7 @@
           <a:p>
             <a:fld id="{42F54ED2-4E9D-4D26-982C-ED0ED45CC3FF}" type="slidenum">
               <a:rPr lang="en-BE" smtClean="0"/>
-              <a:t>‹#›</a:t>
+              <a:t>‹nr.›</a:t>
             </a:fld>
             <a:endParaRPr lang="en-BE"/>
           </a:p>
@@ -6841,7 +6841,7 @@
           <a:p>
             <a:fld id="{10756D02-5E76-4486-8092-C3CB43DB3EC3}" type="datetimeFigureOut">
               <a:rPr lang="en-BE" smtClean="0"/>
-              <a:t>17/01/2025</a:t>
+              <a:t>22/01/2025</a:t>
             </a:fld>
             <a:endParaRPr lang="en-BE"/>
           </a:p>
@@ -6895,7 +6895,7 @@
           <a:p>
             <a:fld id="{42F54ED2-4E9D-4D26-982C-ED0ED45CC3FF}" type="slidenum">
               <a:rPr lang="en-BE" smtClean="0"/>
-              <a:t>‹#›</a:t>
+              <a:t>‹nr.›</a:t>
             </a:fld>
             <a:endParaRPr lang="en-BE"/>
           </a:p>
@@ -7117,7 +7117,7 @@
           <a:p>
             <a:fld id="{10756D02-5E76-4486-8092-C3CB43DB3EC3}" type="datetimeFigureOut">
               <a:rPr lang="en-BE" smtClean="0"/>
-              <a:t>17/01/2025</a:t>
+              <a:t>22/01/2025</a:t>
             </a:fld>
             <a:endParaRPr lang="en-BE"/>
           </a:p>
@@ -7171,7 +7171,7 @@
           <a:p>
             <a:fld id="{42F54ED2-4E9D-4D26-982C-ED0ED45CC3FF}" type="slidenum">
               <a:rPr lang="en-BE" smtClean="0"/>
-              <a:t>‹#›</a:t>
+              <a:t>‹nr.›</a:t>
             </a:fld>
             <a:endParaRPr lang="en-BE"/>
           </a:p>
@@ -7385,7 +7385,7 @@
           <a:p>
             <a:fld id="{10756D02-5E76-4486-8092-C3CB43DB3EC3}" type="datetimeFigureOut">
               <a:rPr lang="en-BE" smtClean="0"/>
-              <a:t>17/01/2025</a:t>
+              <a:t>22/01/2025</a:t>
             </a:fld>
             <a:endParaRPr lang="en-BE"/>
           </a:p>
@@ -7439,7 +7439,7 @@
           <a:p>
             <a:fld id="{42F54ED2-4E9D-4D26-982C-ED0ED45CC3FF}" type="slidenum">
               <a:rPr lang="en-BE" smtClean="0"/>
-              <a:t>‹#›</a:t>
+              <a:t>‹nr.›</a:t>
             </a:fld>
             <a:endParaRPr lang="en-BE"/>
           </a:p>
@@ -7800,7 +7800,7 @@
           <a:p>
             <a:fld id="{10756D02-5E76-4486-8092-C3CB43DB3EC3}" type="datetimeFigureOut">
               <a:rPr lang="en-BE" smtClean="0"/>
-              <a:t>17/01/2025</a:t>
+              <a:t>22/01/2025</a:t>
             </a:fld>
             <a:endParaRPr lang="en-BE"/>
           </a:p>
@@ -7854,7 +7854,7 @@
           <a:p>
             <a:fld id="{42F54ED2-4E9D-4D26-982C-ED0ED45CC3FF}" type="slidenum">
               <a:rPr lang="en-BE" smtClean="0"/>
-              <a:t>‹#›</a:t>
+              <a:t>‹nr.›</a:t>
             </a:fld>
             <a:endParaRPr lang="en-BE"/>
           </a:p>
@@ -7942,7 +7942,7 @@
           <a:p>
             <a:fld id="{10756D02-5E76-4486-8092-C3CB43DB3EC3}" type="datetimeFigureOut">
               <a:rPr lang="en-BE" smtClean="0"/>
-              <a:t>17/01/2025</a:t>
+              <a:t>22/01/2025</a:t>
             </a:fld>
             <a:endParaRPr lang="en-BE"/>
           </a:p>
@@ -7996,7 +7996,7 @@
           <a:p>
             <a:fld id="{42F54ED2-4E9D-4D26-982C-ED0ED45CC3FF}" type="slidenum">
               <a:rPr lang="en-BE" smtClean="0"/>
-              <a:t>‹#›</a:t>
+              <a:t>‹nr.›</a:t>
             </a:fld>
             <a:endParaRPr lang="en-BE"/>
           </a:p>
@@ -8055,7 +8055,7 @@
           <a:p>
             <a:fld id="{10756D02-5E76-4486-8092-C3CB43DB3EC3}" type="datetimeFigureOut">
               <a:rPr lang="en-BE" smtClean="0"/>
-              <a:t>17/01/2025</a:t>
+              <a:t>22/01/2025</a:t>
             </a:fld>
             <a:endParaRPr lang="en-BE"/>
           </a:p>
@@ -8109,7 +8109,7 @@
           <a:p>
             <a:fld id="{42F54ED2-4E9D-4D26-982C-ED0ED45CC3FF}" type="slidenum">
               <a:rPr lang="en-BE" smtClean="0"/>
-              <a:t>‹#›</a:t>
+              <a:t>‹nr.›</a:t>
             </a:fld>
             <a:endParaRPr lang="en-BE"/>
           </a:p>
@@ -8368,7 +8368,7 @@
           <a:p>
             <a:fld id="{10756D02-5E76-4486-8092-C3CB43DB3EC3}" type="datetimeFigureOut">
               <a:rPr lang="en-BE" smtClean="0"/>
-              <a:t>17/01/2025</a:t>
+              <a:t>22/01/2025</a:t>
             </a:fld>
             <a:endParaRPr lang="en-BE"/>
           </a:p>
@@ -8422,7 +8422,7 @@
           <a:p>
             <a:fld id="{42F54ED2-4E9D-4D26-982C-ED0ED45CC3FF}" type="slidenum">
               <a:rPr lang="en-BE" smtClean="0"/>
-              <a:t>‹#›</a:t>
+              <a:t>‹nr.›</a:t>
             </a:fld>
             <a:endParaRPr lang="en-BE"/>
           </a:p>
@@ -8657,7 +8657,7 @@
           <a:p>
             <a:fld id="{10756D02-5E76-4486-8092-C3CB43DB3EC3}" type="datetimeFigureOut">
               <a:rPr lang="en-BE" smtClean="0"/>
-              <a:t>17/01/2025</a:t>
+              <a:t>22/01/2025</a:t>
             </a:fld>
             <a:endParaRPr lang="en-BE"/>
           </a:p>
@@ -8711,7 +8711,7 @@
           <a:p>
             <a:fld id="{42F54ED2-4E9D-4D26-982C-ED0ED45CC3FF}" type="slidenum">
               <a:rPr lang="en-BE" smtClean="0"/>
-              <a:t>‹#›</a:t>
+              <a:t>‹nr.›</a:t>
             </a:fld>
             <a:endParaRPr lang="en-BE"/>
           </a:p>
@@ -8900,7 +8900,7 @@
           <a:p>
             <a:fld id="{10756D02-5E76-4486-8092-C3CB43DB3EC3}" type="datetimeFigureOut">
               <a:rPr lang="en-BE" smtClean="0"/>
-              <a:t>17/01/2025</a:t>
+              <a:t>22/01/2025</a:t>
             </a:fld>
             <a:endParaRPr lang="en-BE"/>
           </a:p>
@@ -8990,7 +8990,7 @@
           <a:p>
             <a:fld id="{42F54ED2-4E9D-4D26-982C-ED0ED45CC3FF}" type="slidenum">
               <a:rPr lang="en-BE" smtClean="0"/>
-              <a:t>‹#›</a:t>
+              <a:t>‹nr.›</a:t>
             </a:fld>
             <a:endParaRPr lang="en-BE"/>
           </a:p>
@@ -10893,7 +10893,7 @@
             <p:ph idx="1"/>
             <p:extLst>
               <p:ext uri="{D42A27DB-BD31-4B8C-83A1-F6EECF244321}">
-                <p14:modId xmlns:p14="http://schemas.microsoft.com/office/powerpoint/2010/main" val="4205439304"/>
+                <p14:modId xmlns:p14="http://schemas.microsoft.com/office/powerpoint/2010/main" val="244172832"/>
               </p:ext>
             </p:extLst>
           </p:nvPr>
